--- a/files/Introduction_to_Quantum_Cryptography.pptx
+++ b/files/Introduction_to_Quantum_Cryptography.pptx
@@ -7860,10 +7860,22 @@
               <a:buNone/>
             </a:pPr>
             <a:r>
+              <a:rPr lang="en-US" sz="3600" dirty="0" smtClean="0">
+                <a:latin typeface="Calibri" pitchFamily="34" charset="0"/>
+              </a:rPr>
+              <a:t>Introduction to </a:t>
+            </a:r>
+            <a:r>
+              <a:rPr lang="el" sz="3600" dirty="0" smtClean="0">
+                <a:latin typeface="Calibri" pitchFamily="34" charset="0"/>
+              </a:rPr>
+              <a:t>Quantum </a:t>
+            </a:r>
+            <a:r>
               <a:rPr lang="el" sz="3600" dirty="0">
                 <a:latin typeface="Calibri" pitchFamily="34" charset="0"/>
               </a:rPr>
-              <a:t>Quantum and Post Quantum Cryptography</a:t>
+              <a:t>Cryptography</a:t>
             </a:r>
             <a:endParaRPr sz="3600">
               <a:latin typeface="Calibri" pitchFamily="34" charset="0"/>
@@ -11801,15 +11813,7 @@
                   <a:schemeClr val="tx1"/>
                 </a:solidFill>
               </a:rPr>
-              <a:t>, volume 175, page 8. New York, </a:t>
-            </a:r>
-            <a:r>
-              <a:rPr lang="en-US" sz="1600" dirty="0" smtClean="0">
-                <a:solidFill>
-                  <a:schemeClr val="tx1"/>
-                </a:solidFill>
-              </a:rPr>
-              <a:t>1984. </a:t>
+              <a:t>, volume 175, page 8. New York, 1984. </a:t>
             </a:r>
             <a:r>
               <a:rPr lang="en-US" sz="1600" dirty="0" smtClean="0">
@@ -11818,25 +11822,7 @@
                 </a:solidFill>
                 <a:hlinkClick r:id="rId2"/>
               </a:rPr>
-              <a:t>http</a:t>
-            </a:r>
-            <a:r>
-              <a:rPr lang="en-US" sz="1600" dirty="0" smtClean="0">
-                <a:solidFill>
-                  <a:schemeClr val="tx1"/>
-                </a:solidFill>
-                <a:hlinkClick r:id="rId2"/>
-              </a:rPr>
-              <a:t>://</a:t>
-            </a:r>
-            <a:r>
-              <a:rPr lang="en-US" sz="1600" dirty="0" smtClean="0">
-                <a:solidFill>
-                  <a:schemeClr val="tx1"/>
-                </a:solidFill>
-                <a:hlinkClick r:id="rId2"/>
-              </a:rPr>
-              <a:t>researcher.watson.ibm.com/researcher/files/us-bennetc/BB84highest.pdf</a:t>
+              <a:t>http://researcher.watson.ibm.com/researcher/files/us-bennetc/BB84highest.pdf</a:t>
             </a:r>
             <a:endParaRPr lang="en-US" sz="1600" dirty="0" smtClean="0">
               <a:solidFill>
@@ -11872,17 +11858,7 @@
                 <a:latin typeface="Calibri" pitchFamily="34" charset="0"/>
                 <a:hlinkClick r:id="rId3"/>
               </a:rPr>
-              <a:t>https://</a:t>
-            </a:r>
-            <a:r>
-              <a:rPr lang="en-US" sz="1600" dirty="0" smtClean="0">
-                <a:solidFill>
-                  <a:schemeClr val="tx1"/>
-                </a:solidFill>
-                <a:latin typeface="Calibri" pitchFamily="34" charset="0"/>
-                <a:hlinkClick r:id="rId3"/>
-              </a:rPr>
-              <a:t>en.wikipedia.org/wiki/Quantum_key_distribution</a:t>
+              <a:t>https://en.wikipedia.org/wiki/Quantum_key_distribution</a:t>
             </a:r>
             <a:endParaRPr lang="en-US" sz="1600" dirty="0" smtClean="0">
               <a:solidFill>
@@ -11904,17 +11880,7 @@
                 <a:latin typeface="Calibri" pitchFamily="34" charset="0"/>
                 <a:hlinkClick r:id="rId4"/>
               </a:rPr>
-              <a:t>https://</a:t>
-            </a:r>
-            <a:r>
-              <a:rPr lang="en-US" sz="1600" dirty="0" smtClean="0">
-                <a:solidFill>
-                  <a:schemeClr val="tx1"/>
-                </a:solidFill>
-                <a:latin typeface="Calibri" pitchFamily="34" charset="0"/>
-                <a:hlinkClick r:id="rId4"/>
-              </a:rPr>
-              <a:t>en.wikipedia.org/wiki/Schr%C3%B6dinger%27s_cat</a:t>
+              <a:t>https://en.wikipedia.org/wiki/Schr%C3%B6dinger%27s_cat</a:t>
             </a:r>
             <a:endParaRPr lang="en-US" sz="1600" dirty="0" smtClean="0">
               <a:solidFill>
